--- a/docs/virtualization/kvm/memory/memory.pptx
+++ b/docs/virtualization/kvm/memory/memory.pptx
@@ -3874,6 +3874,504 @@
         <p:nvPr/>
       </p:nvGrpSpPr>
       <p:grpSpPr/>
+      <p:sp>
+        <p:nvSpPr>
+          <p:cNvPr id="10" name="矩形 9"/>
+          <p:cNvSpPr/>
+          <p:nvPr/>
+        </p:nvSpPr>
+        <p:spPr>
+          <a:xfrm>
+            <a:off x="7327265" y="3641090"/>
+            <a:ext cx="1020445" cy="297180"/>
+          </a:xfrm>
+          <a:prstGeom prst="rect">
+            <a:avLst/>
+          </a:prstGeom>
+          <a:noFill/>
+          <a:ln w="28575">
+            <a:solidFill>
+              <a:srgbClr val="2C3E50"/>
+            </a:solidFill>
+          </a:ln>
+          <a:extLst>
+            <a:ext uri="{909E8E84-426E-40DD-AFC4-6F175D3DCCD1}">
+              <a14:hiddenFill xmlns:a14="http://schemas.microsoft.com/office/drawing/2010/main">
+                <a:solidFill>
+                  <a:schemeClr val="accent1"/>
+                </a:solidFill>
+              </a14:hiddenFill>
+            </a:ext>
+          </a:extLst>
+        </p:spPr>
+        <p:style>
+          <a:lnRef idx="2">
+            <a:schemeClr val="accent1">
+              <a:shade val="50000"/>
+            </a:schemeClr>
+          </a:lnRef>
+          <a:fillRef idx="1">
+            <a:schemeClr val="accent1"/>
+          </a:fillRef>
+          <a:effectRef idx="0">
+            <a:schemeClr val="accent1"/>
+          </a:effectRef>
+          <a:fontRef idx="minor">
+            <a:schemeClr val="lt1"/>
+          </a:fontRef>
+        </p:style>
+        <p:txBody>
+          <a:bodyPr rtlCol="0" anchor="ctr"/>
+          <a:p>
+            <a:pPr algn="ctr"/>
+            <a:endParaRPr lang="en-US" altLang="zh-CN" sz="1200" b="1">
+              <a:solidFill>
+                <a:srgbClr val="2C3E50"/>
+              </a:solidFill>
+            </a:endParaRPr>
+          </a:p>
+        </p:txBody>
+      </p:sp>
+      <p:sp>
+        <p:nvSpPr>
+          <p:cNvPr id="11" name="矩形 10"/>
+          <p:cNvSpPr/>
+          <p:nvPr/>
+        </p:nvSpPr>
+        <p:spPr>
+          <a:xfrm>
+            <a:off x="7327265" y="3938905"/>
+            <a:ext cx="1020445" cy="297180"/>
+          </a:xfrm>
+          <a:prstGeom prst="rect">
+            <a:avLst/>
+          </a:prstGeom>
+          <a:noFill/>
+          <a:ln w="28575">
+            <a:solidFill>
+              <a:srgbClr val="2C3E50"/>
+            </a:solidFill>
+          </a:ln>
+          <a:extLst>
+            <a:ext uri="{909E8E84-426E-40DD-AFC4-6F175D3DCCD1}">
+              <a14:hiddenFill xmlns:a14="http://schemas.microsoft.com/office/drawing/2010/main">
+                <a:solidFill>
+                  <a:schemeClr val="accent1"/>
+                </a:solidFill>
+              </a14:hiddenFill>
+            </a:ext>
+          </a:extLst>
+        </p:spPr>
+        <p:style>
+          <a:lnRef idx="2">
+            <a:schemeClr val="accent1">
+              <a:shade val="50000"/>
+            </a:schemeClr>
+          </a:lnRef>
+          <a:fillRef idx="1">
+            <a:schemeClr val="accent1"/>
+          </a:fillRef>
+          <a:effectRef idx="0">
+            <a:schemeClr val="accent1"/>
+          </a:effectRef>
+          <a:fontRef idx="minor">
+            <a:schemeClr val="lt1"/>
+          </a:fontRef>
+        </p:style>
+        <p:txBody>
+          <a:bodyPr rtlCol="0" anchor="ctr"/>
+          <a:p>
+            <a:pPr algn="ctr"/>
+            <a:endParaRPr lang="en-US" altLang="zh-CN" sz="1200" b="1">
+              <a:solidFill>
+                <a:srgbClr val="2C3E50"/>
+              </a:solidFill>
+            </a:endParaRPr>
+          </a:p>
+        </p:txBody>
+      </p:sp>
+      <p:grpSp>
+        <p:nvGrpSpPr>
+          <p:cNvPr id="3" name="组合 2"/>
+          <p:cNvGrpSpPr/>
+          <p:nvPr/>
+        </p:nvGrpSpPr>
+        <p:grpSpPr>
+          <a:xfrm>
+            <a:off x="1226820" y="1753870"/>
+            <a:ext cx="2814320" cy="1887220"/>
+            <a:chOff x="1281" y="2762"/>
+            <a:chExt cx="4432" cy="2972"/>
+          </a:xfrm>
+        </p:grpSpPr>
+        <p:sp>
+          <p:nvSpPr>
+            <p:cNvPr id="5" name="矩形 4"/>
+            <p:cNvSpPr/>
+            <p:nvPr/>
+          </p:nvSpPr>
+          <p:spPr>
+            <a:xfrm>
+              <a:off x="1458" y="3370"/>
+              <a:ext cx="3823" cy="468"/>
+            </a:xfrm>
+            <a:prstGeom prst="rect">
+              <a:avLst/>
+            </a:prstGeom>
+            <a:noFill/>
+            <a:ln w="28575">
+              <a:solidFill>
+                <a:srgbClr val="2C3E50"/>
+              </a:solidFill>
+            </a:ln>
+            <a:extLst>
+              <a:ext uri="{909E8E84-426E-40DD-AFC4-6F175D3DCCD1}">
+                <a14:hiddenFill xmlns:a14="http://schemas.microsoft.com/office/drawing/2010/main">
+                  <a:solidFill>
+                    <a:schemeClr val="accent1"/>
+                  </a:solidFill>
+                </a14:hiddenFill>
+              </a:ext>
+            </a:extLst>
+          </p:spPr>
+          <p:style>
+            <a:lnRef idx="2">
+              <a:schemeClr val="accent1">
+                <a:shade val="50000"/>
+              </a:schemeClr>
+            </a:lnRef>
+            <a:fillRef idx="1">
+              <a:schemeClr val="accent1"/>
+            </a:fillRef>
+            <a:effectRef idx="0">
+              <a:schemeClr val="accent1"/>
+            </a:effectRef>
+            <a:fontRef idx="minor">
+              <a:schemeClr val="lt1"/>
+            </a:fontRef>
+          </p:style>
+          <p:txBody>
+            <a:bodyPr rtlCol="0" anchor="ctr"/>
+            <a:p>
+              <a:pPr algn="ctr"/>
+              <a:r>
+                <a:rPr lang="en-US" altLang="zh-CN" sz="1200" b="1">
+                  <a:solidFill>
+                    <a:srgbClr val="2C3E50"/>
+                  </a:solidFill>
+                </a:rPr>
+                <a:t>slot</a:t>
+              </a:r>
+              <a:endParaRPr lang="en-US" altLang="zh-CN" sz="1200" b="1">
+                <a:solidFill>
+                  <a:srgbClr val="2C3E50"/>
+                </a:solidFill>
+              </a:endParaRPr>
+            </a:p>
+          </p:txBody>
+        </p:sp>
+        <p:sp>
+          <p:nvSpPr>
+            <p:cNvPr id="6" name="矩形 5"/>
+            <p:cNvSpPr/>
+            <p:nvPr/>
+          </p:nvSpPr>
+          <p:spPr>
+            <a:xfrm>
+              <a:off x="1458" y="3839"/>
+              <a:ext cx="3823" cy="468"/>
+            </a:xfrm>
+            <a:prstGeom prst="rect">
+              <a:avLst/>
+            </a:prstGeom>
+            <a:noFill/>
+            <a:ln w="28575">
+              <a:solidFill>
+                <a:srgbClr val="2C3E50"/>
+              </a:solidFill>
+            </a:ln>
+            <a:extLst>
+              <a:ext uri="{909E8E84-426E-40DD-AFC4-6F175D3DCCD1}">
+                <a14:hiddenFill xmlns:a14="http://schemas.microsoft.com/office/drawing/2010/main">
+                  <a:solidFill>
+                    <a:schemeClr val="accent1"/>
+                  </a:solidFill>
+                </a14:hiddenFill>
+              </a:ext>
+            </a:extLst>
+          </p:spPr>
+          <p:style>
+            <a:lnRef idx="2">
+              <a:schemeClr val="accent1">
+                <a:shade val="50000"/>
+              </a:schemeClr>
+            </a:lnRef>
+            <a:fillRef idx="1">
+              <a:schemeClr val="accent1"/>
+            </a:fillRef>
+            <a:effectRef idx="0">
+              <a:schemeClr val="accent1"/>
+            </a:effectRef>
+            <a:fontRef idx="minor">
+              <a:schemeClr val="lt1"/>
+            </a:fontRef>
+          </p:style>
+          <p:txBody>
+            <a:bodyPr rtlCol="0" anchor="ctr"/>
+            <a:p>
+              <a:pPr algn="ctr"/>
+              <a:r>
+                <a:rPr lang="en-US" altLang="zh-CN" sz="1200" b="1">
+                  <a:solidFill>
+                    <a:srgbClr val="2C3E50"/>
+                  </a:solidFill>
+                </a:rPr>
+                <a:t>flags</a:t>
+              </a:r>
+              <a:endParaRPr lang="en-US" altLang="zh-CN" sz="1200" b="1">
+                <a:solidFill>
+                  <a:srgbClr val="2C3E50"/>
+                </a:solidFill>
+              </a:endParaRPr>
+            </a:p>
+          </p:txBody>
+        </p:sp>
+        <p:sp>
+          <p:nvSpPr>
+            <p:cNvPr id="7" name="矩形 6"/>
+            <p:cNvSpPr/>
+            <p:nvPr/>
+          </p:nvSpPr>
+          <p:spPr>
+            <a:xfrm>
+              <a:off x="1458" y="4308"/>
+              <a:ext cx="3823" cy="468"/>
+            </a:xfrm>
+            <a:prstGeom prst="rect">
+              <a:avLst/>
+            </a:prstGeom>
+            <a:noFill/>
+            <a:ln w="28575">
+              <a:solidFill>
+                <a:srgbClr val="2C3E50"/>
+              </a:solidFill>
+            </a:ln>
+            <a:extLst>
+              <a:ext uri="{909E8E84-426E-40DD-AFC4-6F175D3DCCD1}">
+                <a14:hiddenFill xmlns:a14="http://schemas.microsoft.com/office/drawing/2010/main">
+                  <a:solidFill>
+                    <a:schemeClr val="accent1"/>
+                  </a:solidFill>
+                </a14:hiddenFill>
+              </a:ext>
+            </a:extLst>
+          </p:spPr>
+          <p:style>
+            <a:lnRef idx="2">
+              <a:schemeClr val="accent1">
+                <a:shade val="50000"/>
+              </a:schemeClr>
+            </a:lnRef>
+            <a:fillRef idx="1">
+              <a:schemeClr val="accent1"/>
+            </a:fillRef>
+            <a:effectRef idx="0">
+              <a:schemeClr val="accent1"/>
+            </a:effectRef>
+            <a:fontRef idx="minor">
+              <a:schemeClr val="lt1"/>
+            </a:fontRef>
+          </p:style>
+          <p:txBody>
+            <a:bodyPr rtlCol="0" anchor="ctr"/>
+            <a:p>
+              <a:pPr algn="ctr"/>
+              <a:r>
+                <a:rPr lang="en-US" altLang="zh-CN" sz="1200" b="1">
+                  <a:solidFill>
+                    <a:srgbClr val="2C3E50"/>
+                  </a:solidFill>
+                </a:rPr>
+                <a:t>guest_phys_addr</a:t>
+              </a:r>
+              <a:endParaRPr lang="en-US" altLang="zh-CN" sz="1200" b="1">
+                <a:solidFill>
+                  <a:srgbClr val="2C3E50"/>
+                </a:solidFill>
+              </a:endParaRPr>
+            </a:p>
+          </p:txBody>
+        </p:sp>
+        <p:sp>
+          <p:nvSpPr>
+            <p:cNvPr id="8" name="矩形 7"/>
+            <p:cNvSpPr/>
+            <p:nvPr/>
+          </p:nvSpPr>
+          <p:spPr>
+            <a:xfrm>
+              <a:off x="1458" y="4777"/>
+              <a:ext cx="3823" cy="468"/>
+            </a:xfrm>
+            <a:prstGeom prst="rect">
+              <a:avLst/>
+            </a:prstGeom>
+            <a:noFill/>
+            <a:ln w="28575">
+              <a:solidFill>
+                <a:srgbClr val="2C3E50"/>
+              </a:solidFill>
+            </a:ln>
+            <a:extLst>
+              <a:ext uri="{909E8E84-426E-40DD-AFC4-6F175D3DCCD1}">
+                <a14:hiddenFill xmlns:a14="http://schemas.microsoft.com/office/drawing/2010/main">
+                  <a:solidFill>
+                    <a:schemeClr val="accent1"/>
+                  </a:solidFill>
+                </a14:hiddenFill>
+              </a:ext>
+            </a:extLst>
+          </p:spPr>
+          <p:style>
+            <a:lnRef idx="2">
+              <a:schemeClr val="accent1">
+                <a:shade val="50000"/>
+              </a:schemeClr>
+            </a:lnRef>
+            <a:fillRef idx="1">
+              <a:schemeClr val="accent1"/>
+            </a:fillRef>
+            <a:effectRef idx="0">
+              <a:schemeClr val="accent1"/>
+            </a:effectRef>
+            <a:fontRef idx="minor">
+              <a:schemeClr val="lt1"/>
+            </a:fontRef>
+          </p:style>
+          <p:txBody>
+            <a:bodyPr rtlCol="0" anchor="ctr"/>
+            <a:p>
+              <a:pPr algn="ctr"/>
+              <a:r>
+                <a:rPr lang="en-US" altLang="zh-CN" sz="1200" b="1">
+                  <a:solidFill>
+                    <a:srgbClr val="2C3E50"/>
+                  </a:solidFill>
+                </a:rPr>
+                <a:t>memory_size</a:t>
+              </a:r>
+              <a:endParaRPr lang="en-US" altLang="zh-CN" sz="1200" b="1">
+                <a:solidFill>
+                  <a:srgbClr val="2C3E50"/>
+                </a:solidFill>
+              </a:endParaRPr>
+            </a:p>
+          </p:txBody>
+        </p:sp>
+        <p:sp>
+          <p:nvSpPr>
+            <p:cNvPr id="9" name="矩形 8"/>
+            <p:cNvSpPr/>
+            <p:nvPr/>
+          </p:nvSpPr>
+          <p:spPr>
+            <a:xfrm>
+              <a:off x="1458" y="5266"/>
+              <a:ext cx="3824" cy="468"/>
+            </a:xfrm>
+            <a:prstGeom prst="rect">
+              <a:avLst/>
+            </a:prstGeom>
+            <a:noFill/>
+            <a:ln w="28575">
+              <a:solidFill>
+                <a:srgbClr val="2C3E50"/>
+              </a:solidFill>
+            </a:ln>
+            <a:extLst>
+              <a:ext uri="{909E8E84-426E-40DD-AFC4-6F175D3DCCD1}">
+                <a14:hiddenFill xmlns:a14="http://schemas.microsoft.com/office/drawing/2010/main">
+                  <a:solidFill>
+                    <a:schemeClr val="accent1"/>
+                  </a:solidFill>
+                </a14:hiddenFill>
+              </a:ext>
+            </a:extLst>
+          </p:spPr>
+          <p:style>
+            <a:lnRef idx="2">
+              <a:schemeClr val="accent1">
+                <a:shade val="50000"/>
+              </a:schemeClr>
+            </a:lnRef>
+            <a:fillRef idx="1">
+              <a:schemeClr val="accent1"/>
+            </a:fillRef>
+            <a:effectRef idx="0">
+              <a:schemeClr val="accent1"/>
+            </a:effectRef>
+            <a:fontRef idx="minor">
+              <a:schemeClr val="lt1"/>
+            </a:fontRef>
+          </p:style>
+          <p:txBody>
+            <a:bodyPr rtlCol="0" anchor="ctr"/>
+            <a:p>
+              <a:pPr algn="ctr"/>
+              <a:r>
+                <a:rPr lang="en-US" altLang="zh-CN" sz="1200" b="1">
+                  <a:solidFill>
+                    <a:srgbClr val="2C3E50"/>
+                  </a:solidFill>
+                </a:rPr>
+                <a:t>userspace_addr</a:t>
+              </a:r>
+              <a:endParaRPr lang="en-US" altLang="zh-CN" sz="1200" b="1">
+                <a:solidFill>
+                  <a:srgbClr val="2C3E50"/>
+                </a:solidFill>
+              </a:endParaRPr>
+            </a:p>
+          </p:txBody>
+        </p:sp>
+        <p:sp>
+          <p:nvSpPr>
+            <p:cNvPr id="2" name="文本框 1"/>
+            <p:cNvSpPr txBox="true"/>
+            <p:nvPr/>
+          </p:nvSpPr>
+          <p:spPr>
+            <a:xfrm>
+              <a:off x="1281" y="2762"/>
+              <a:ext cx="4432" cy="483"/>
+            </a:xfrm>
+            <a:prstGeom prst="rect">
+              <a:avLst/>
+            </a:prstGeom>
+            <a:noFill/>
+          </p:spPr>
+          <p:txBody>
+            <a:bodyPr wrap="square" rtlCol="0" anchor="t">
+              <a:spAutoFit/>
+            </a:bodyPr>
+            <a:p>
+              <a:r>
+                <a:rPr lang="zh-CN" altLang="en-US" sz="1400" b="1">
+                  <a:solidFill>
+                    <a:srgbClr val="2C3E50"/>
+                  </a:solidFill>
+                </a:rPr>
+                <a:t>kvm_userspace_memory_region</a:t>
+              </a:r>
+              <a:endParaRPr lang="zh-CN" altLang="en-US" sz="1400" b="1">
+                <a:solidFill>
+                  <a:srgbClr val="2C3E50"/>
+                </a:solidFill>
+              </a:endParaRPr>
+            </a:p>
+          </p:txBody>
+        </p:sp>
+      </p:grpSp>
     </p:spTree>
   </p:cSld>
   <p:clrMapOvr>
